--- a/teach/fall_2020/1370_slides/week13_wed.pptx
+++ b/teach/fall_2020/1370_slides/week13_wed.pptx
@@ -274,7 +274,7 @@
             <a:fld id="{6A1DBDC4-F84B-4B3A-9BA0-F77140A66E90}" type="datetimeFigureOut">
               <a:rPr lang="en-US"/>
               <a:pPr/>
-              <a:t>11/20/20</a:t>
+              <a:t>1/17/23</a:t>
             </a:fld>
             <a:endParaRPr lang="en-US"/>
           </a:p>
@@ -762,7 +762,7 @@
             <a:fld id="{C498CA56-6208-4A5A-9D23-DDD25A18C2B3}" type="datetimeFigureOut">
               <a:rPr lang="en-US"/>
               <a:pPr/>
-              <a:t>11/20/20</a:t>
+              <a:t>1/17/23</a:t>
             </a:fld>
             <a:endParaRPr lang="en-US"/>
           </a:p>
@@ -939,7 +939,7 @@
             <a:fld id="{624805B7-2B4A-43C9-B3C5-64F2C528AD69}" type="datetimeFigureOut">
               <a:rPr lang="en-US"/>
               <a:pPr/>
-              <a:t>11/20/20</a:t>
+              <a:t>1/17/23</a:t>
             </a:fld>
             <a:endParaRPr lang="en-US"/>
           </a:p>
@@ -1126,7 +1126,7 @@
             <a:fld id="{91DCC2F5-5EE7-45BF-99F9-75890DB739B3}" type="datetimeFigureOut">
               <a:rPr lang="en-US"/>
               <a:pPr/>
-              <a:t>11/20/20</a:t>
+              <a:t>1/17/23</a:t>
             </a:fld>
             <a:endParaRPr lang="en-US"/>
           </a:p>
@@ -1342,7 +1342,7 @@
             <a:fld id="{E2E976A5-1009-4436-9B8C-9835B82C0FBB}" type="datetimeFigureOut">
               <a:rPr lang="en-US"/>
               <a:pPr/>
-              <a:t>11/20/20</a:t>
+              <a:t>1/17/23</a:t>
             </a:fld>
             <a:endParaRPr lang="en-US"/>
           </a:p>
@@ -1596,7 +1596,7 @@
             <a:fld id="{9A8AA87E-C144-4B2A-81EA-9E72F880C0CA}" type="datetimeFigureOut">
               <a:rPr lang="en-US"/>
               <a:pPr/>
-              <a:t>11/20/20</a:t>
+              <a:t>1/17/23</a:t>
             </a:fld>
             <a:endParaRPr lang="en-US"/>
           </a:p>
@@ -1890,7 +1890,7 @@
             <a:fld id="{866C2420-2C3E-4748-8453-226F4817B4EC}" type="datetimeFigureOut">
               <a:rPr lang="en-US"/>
               <a:pPr/>
-              <a:t>11/20/20</a:t>
+              <a:t>1/17/23</a:t>
             </a:fld>
             <a:endParaRPr lang="en-US"/>
           </a:p>
@@ -2318,7 +2318,7 @@
             <a:fld id="{9487ECFB-269A-4EB6-9175-6162B8DD08E6}" type="datetimeFigureOut">
               <a:rPr lang="en-US"/>
               <a:pPr/>
-              <a:t>11/20/20</a:t>
+              <a:t>1/17/23</a:t>
             </a:fld>
             <a:endParaRPr lang="en-US"/>
           </a:p>
@@ -2444,7 +2444,7 @@
             <a:fld id="{1AF75B6C-5D1D-40DC-9998-BF03558B319A}" type="datetimeFigureOut">
               <a:rPr lang="en-US"/>
               <a:pPr/>
-              <a:t>11/20/20</a:t>
+              <a:t>1/17/23</a:t>
             </a:fld>
             <a:endParaRPr lang="en-US"/>
           </a:p>
@@ -2548,7 +2548,7 @@
             <a:fld id="{0919E438-5101-4170-AE07-87A782222B07}" type="datetimeFigureOut">
               <a:rPr lang="en-US"/>
               <a:pPr/>
-              <a:t>11/20/20</a:t>
+              <a:t>1/17/23</a:t>
             </a:fld>
             <a:endParaRPr lang="en-US"/>
           </a:p>
@@ -2832,7 +2832,7 @@
             <a:fld id="{A466955D-1EC8-499F-9263-BF2FDD726013}" type="datetimeFigureOut">
               <a:rPr lang="en-US"/>
               <a:pPr/>
-              <a:t>11/20/20</a:t>
+              <a:t>1/17/23</a:t>
             </a:fld>
             <a:endParaRPr lang="en-US"/>
           </a:p>
@@ -3096,7 +3096,7 @@
             <a:fld id="{0680152A-1D85-4AE3-AA4E-3962D2958CEE}" type="datetimeFigureOut">
               <a:rPr lang="en-US"/>
               <a:pPr/>
-              <a:t>11/20/20</a:t>
+              <a:t>1/17/23</a:t>
             </a:fld>
             <a:endParaRPr lang="en-US"/>
           </a:p>
@@ -3333,7 +3333,7 @@
             <a:fld id="{10932223-8D2A-4930-ACED-A722D6E87D91}" type="datetimeFigureOut">
               <a:rPr lang="en-US"/>
               <a:pPr/>
-              <a:t>11/20/20</a:t>
+              <a:t>1/17/23</a:t>
             </a:fld>
             <a:endParaRPr lang="en-US"/>
           </a:p>
@@ -9323,7 +9323,7 @@
                 <a:latin typeface="Courier New" pitchFamily="49" charset="0"/>
                 <a:cs typeface="Courier New" pitchFamily="49" charset="0"/>
               </a:rPr>
-              <a:t>albums stock[100];</a:t>
+              <a:t>album stock[100];</a:t>
             </a:r>
           </a:p>
           <a:p>
